--- a/docs/diagrams/ModelComponentClassDiagram.pptx
+++ b/docs/diagrams/ModelComponentClassDiagram.pptx
@@ -109,7 +109,7 @@
   </p:defaultTextStyle>
   <p:extLst>
     <p:ext uri="{EFAFB233-063F-42B5-8137-9DF3F51BA10A}">
-      <p15:sldGuideLst xmlns:p15="http://schemas.microsoft.com/office/powerpoint/2012/main">
+      <p15:sldGuideLst xmlns:p15="http://schemas.microsoft.com/office/powerpoint/2012/main" xmlns="">
         <p15:guide id="1" orient="horz" pos="1488">
           <p15:clr>
             <a:srgbClr val="A4A3A4"/>
@@ -208,7 +208,7 @@
           <a:p>
             <a:fld id="{F5CC4B3F-88C1-4FFA-B1B6-F41C21DC6924}" type="datetimeFigureOut">
               <a:rPr lang="en-US" smtClean="0"/>
-              <a:t>1/1/18</a:t>
+              <a:t>3/17/2018</a:t>
             </a:fld>
             <a:endParaRPr lang="en-US"/>
           </a:p>
@@ -657,7 +657,7 @@
           <a:p>
             <a:fld id="{78C97017-6FC3-485B-9764-EAC9E56C1D49}" type="datetimeFigureOut">
               <a:rPr lang="en-US" smtClean="0"/>
-              <a:t>1/1/18</a:t>
+              <a:t>3/17/2018</a:t>
             </a:fld>
             <a:endParaRPr lang="en-US"/>
           </a:p>
@@ -827,7 +827,7 @@
           <a:p>
             <a:fld id="{78C97017-6FC3-485B-9764-EAC9E56C1D49}" type="datetimeFigureOut">
               <a:rPr lang="en-US" smtClean="0"/>
-              <a:t>1/1/18</a:t>
+              <a:t>3/17/2018</a:t>
             </a:fld>
             <a:endParaRPr lang="en-US"/>
           </a:p>
@@ -1007,7 +1007,7 @@
           <a:p>
             <a:fld id="{78C97017-6FC3-485B-9764-EAC9E56C1D49}" type="datetimeFigureOut">
               <a:rPr lang="en-US" smtClean="0"/>
-              <a:t>1/1/18</a:t>
+              <a:t>3/17/2018</a:t>
             </a:fld>
             <a:endParaRPr lang="en-US"/>
           </a:p>
@@ -1177,7 +1177,7 @@
           <a:p>
             <a:fld id="{78C97017-6FC3-485B-9764-EAC9E56C1D49}" type="datetimeFigureOut">
               <a:rPr lang="en-US" smtClean="0"/>
-              <a:t>1/1/18</a:t>
+              <a:t>3/17/2018</a:t>
             </a:fld>
             <a:endParaRPr lang="en-US"/>
           </a:p>
@@ -1423,7 +1423,7 @@
           <a:p>
             <a:fld id="{78C97017-6FC3-485B-9764-EAC9E56C1D49}" type="datetimeFigureOut">
               <a:rPr lang="en-US" smtClean="0"/>
-              <a:t>1/1/18</a:t>
+              <a:t>3/17/2018</a:t>
             </a:fld>
             <a:endParaRPr lang="en-US"/>
           </a:p>
@@ -1711,7 +1711,7 @@
           <a:p>
             <a:fld id="{78C97017-6FC3-485B-9764-EAC9E56C1D49}" type="datetimeFigureOut">
               <a:rPr lang="en-US" smtClean="0"/>
-              <a:t>1/1/18</a:t>
+              <a:t>3/17/2018</a:t>
             </a:fld>
             <a:endParaRPr lang="en-US"/>
           </a:p>
@@ -2133,7 +2133,7 @@
           <a:p>
             <a:fld id="{78C97017-6FC3-485B-9764-EAC9E56C1D49}" type="datetimeFigureOut">
               <a:rPr lang="en-US" smtClean="0"/>
-              <a:t>1/1/18</a:t>
+              <a:t>3/17/2018</a:t>
             </a:fld>
             <a:endParaRPr lang="en-US"/>
           </a:p>
@@ -2251,7 +2251,7 @@
           <a:p>
             <a:fld id="{78C97017-6FC3-485B-9764-EAC9E56C1D49}" type="datetimeFigureOut">
               <a:rPr lang="en-US" smtClean="0"/>
-              <a:t>1/1/18</a:t>
+              <a:t>3/17/2018</a:t>
             </a:fld>
             <a:endParaRPr lang="en-US"/>
           </a:p>
@@ -2346,7 +2346,7 @@
           <a:p>
             <a:fld id="{78C97017-6FC3-485B-9764-EAC9E56C1D49}" type="datetimeFigureOut">
               <a:rPr lang="en-US" smtClean="0"/>
-              <a:t>1/1/18</a:t>
+              <a:t>3/17/2018</a:t>
             </a:fld>
             <a:endParaRPr lang="en-US"/>
           </a:p>
@@ -2623,7 +2623,7 @@
           <a:p>
             <a:fld id="{78C97017-6FC3-485B-9764-EAC9E56C1D49}" type="datetimeFigureOut">
               <a:rPr lang="en-US" smtClean="0"/>
-              <a:t>1/1/18</a:t>
+              <a:t>3/17/2018</a:t>
             </a:fld>
             <a:endParaRPr lang="en-US"/>
           </a:p>
@@ -2876,7 +2876,7 @@
           <a:p>
             <a:fld id="{78C97017-6FC3-485B-9764-EAC9E56C1D49}" type="datetimeFigureOut">
               <a:rPr lang="en-US" smtClean="0"/>
-              <a:t>1/1/18</a:t>
+              <a:t>3/17/2018</a:t>
             </a:fld>
             <a:endParaRPr lang="en-US"/>
           </a:p>
@@ -3089,7 +3089,7 @@
           <a:p>
             <a:fld id="{78C97017-6FC3-485B-9764-EAC9E56C1D49}" type="datetimeFigureOut">
               <a:rPr lang="en-US" smtClean="0"/>
-              <a:t>1/1/18</a:t>
+              <a:t>3/17/2018</a:t>
             </a:fld>
             <a:endParaRPr lang="en-US"/>
           </a:p>
@@ -4020,7 +4020,7 @@
                   <a:srgbClr val="7030A0"/>
                 </a:solidFill>
               </a:rPr>
-              <a:t>AddressBook</a:t>
+              <a:t>ClubBook</a:t>
             </a:r>
             <a:endParaRPr lang="en-SG" sz="1050" dirty="0">
               <a:solidFill>
@@ -4162,7 +4162,23 @@
                   <a:srgbClr val="7030A0"/>
                 </a:solidFill>
               </a:rPr>
-              <a:t>UniquePersonList</a:t>
+              <a:t>UniqueMember</a:t>
+            </a:r>
+            <a:endParaRPr lang="en-US" sz="1050" dirty="0" smtClean="0">
+              <a:solidFill>
+                <a:srgbClr val="7030A0"/>
+              </a:solidFill>
+            </a:endParaRPr>
+          </a:p>
+          <a:p>
+            <a:pPr algn="ctr"/>
+            <a:r>
+              <a:rPr lang="en-US" sz="1050" dirty="0" smtClean="0">
+                <a:solidFill>
+                  <a:srgbClr val="7030A0"/>
+                </a:solidFill>
+              </a:rPr>
+              <a:t>List</a:t>
             </a:r>
             <a:endParaRPr lang="en-SG" sz="1050" dirty="0">
               <a:solidFill>
@@ -4405,7 +4421,7 @@
                   <a:srgbClr val="7030A0"/>
                 </a:solidFill>
               </a:rPr>
-              <a:t>Person</a:t>
+              <a:t>Member</a:t>
             </a:r>
             <a:endParaRPr lang="en-SG" sz="1050" dirty="0">
               <a:solidFill>
@@ -4689,7 +4705,7 @@
                   <a:srgbClr val="7030A0"/>
                 </a:solidFill>
               </a:rPr>
-              <a:t>Name</a:t>
+              <a:t>Phone</a:t>
             </a:r>
             <a:endParaRPr lang="en-SG" sz="1050" dirty="0">
               <a:solidFill>
@@ -4833,7 +4849,7 @@
                   <a:srgbClr val="7030A0"/>
                 </a:solidFill>
               </a:rPr>
-              <a:t>Phone</a:t>
+              <a:t>Email</a:t>
             </a:r>
             <a:endParaRPr lang="en-SG" sz="1050" dirty="0">
               <a:solidFill>
@@ -4892,7 +4908,7 @@
         </p:nvSpPr>
         <p:spPr>
           <a:xfrm>
-            <a:off x="7712397" y="3210194"/>
+            <a:off x="7712397" y="3200400"/>
             <a:ext cx="708186" cy="285783"/>
           </a:xfrm>
           <a:prstGeom prst="rect">
@@ -4924,14 +4940,46 @@
           <a:lstStyle/>
           <a:p>
             <a:pPr algn="ctr"/>
+            <a:endParaRPr lang="en-US" sz="1050" dirty="0" smtClean="0">
+              <a:solidFill>
+                <a:srgbClr val="7030A0"/>
+              </a:solidFill>
+            </a:endParaRPr>
+          </a:p>
+          <a:p>
+            <a:pPr algn="ctr"/>
             <a:r>
               <a:rPr lang="en-US" sz="1050" dirty="0" smtClean="0">
                 <a:solidFill>
                   <a:srgbClr val="7030A0"/>
                 </a:solidFill>
               </a:rPr>
-              <a:t>Email</a:t>
-            </a:r>
+              <a:t>Matric</a:t>
+            </a:r>
+            <a:endParaRPr lang="en-US" sz="1050" dirty="0">
+              <a:solidFill>
+                <a:srgbClr val="7030A0"/>
+              </a:solidFill>
+            </a:endParaRPr>
+          </a:p>
+          <a:p>
+            <a:pPr algn="ctr"/>
+            <a:r>
+              <a:rPr lang="en-US" sz="1050" dirty="0">
+                <a:solidFill>
+                  <a:srgbClr val="7030A0"/>
+                </a:solidFill>
+              </a:rPr>
+              <a:t>Number</a:t>
+            </a:r>
+            <a:endParaRPr lang="en-SG" sz="1050" dirty="0">
+              <a:solidFill>
+                <a:srgbClr val="7030A0"/>
+              </a:solidFill>
+            </a:endParaRPr>
+          </a:p>
+          <a:p>
+            <a:pPr algn="ctr"/>
             <a:endParaRPr lang="en-SG" sz="1050" dirty="0">
               <a:solidFill>
                 <a:srgbClr val="7030A0"/>
@@ -4952,7 +5000,7 @@
         <p:spPr>
           <a:xfrm>
             <a:off x="7277995" y="3034891"/>
-            <a:ext cx="434402" cy="318195"/>
+            <a:ext cx="434402" cy="308401"/>
           </a:xfrm>
           <a:prstGeom prst="bentConnector3">
             <a:avLst/>
@@ -5027,7 +5075,7 @@
                   <a:srgbClr val="7030A0"/>
                 </a:solidFill>
               </a:rPr>
-              <a:t>Address</a:t>
+              <a:t>Group</a:t>
             </a:r>
             <a:endParaRPr lang="en-SG" sz="1050" dirty="0">
               <a:solidFill>
@@ -5230,7 +5278,7 @@
                   <a:srgbClr val="7030A0"/>
                 </a:solidFill>
               </a:rPr>
-              <a:t>ReadOnlyAddressBook</a:t>
+              <a:t>ReadOnlyClubBook</a:t>
             </a:r>
             <a:endParaRPr lang="en-SG" sz="1050" dirty="0">
               <a:solidFill>
@@ -5753,6 +5801,305 @@
           </a:p>
         </p:txBody>
       </p:sp>
+      <p:sp>
+        <p:nvSpPr>
+          <p:cNvPr id="52" name="Rectangle 8"/>
+          <p:cNvSpPr/>
+          <p:nvPr/>
+        </p:nvSpPr>
+        <p:spPr>
+          <a:xfrm>
+            <a:off x="7712397" y="3854242"/>
+            <a:ext cx="708186" cy="285783"/>
+          </a:xfrm>
+          <a:prstGeom prst="rect">
+            <a:avLst/>
+          </a:prstGeom>
+          <a:ln w="19050">
+            <a:solidFill>
+              <a:srgbClr val="7030A0"/>
+            </a:solidFill>
+          </a:ln>
+          <a:effectLst/>
+        </p:spPr>
+        <p:style>
+          <a:lnRef idx="1">
+            <a:schemeClr val="accent4"/>
+          </a:lnRef>
+          <a:fillRef idx="2">
+            <a:schemeClr val="accent4"/>
+          </a:fillRef>
+          <a:effectRef idx="1">
+            <a:schemeClr val="accent4"/>
+          </a:effectRef>
+          <a:fontRef idx="minor">
+            <a:schemeClr val="dk1"/>
+          </a:fontRef>
+        </p:style>
+        <p:txBody>
+          <a:bodyPr rtlCol="0" anchor="ctr"/>
+          <a:lstStyle/>
+          <a:p>
+            <a:pPr algn="ctr"/>
+            <a:r>
+              <a:rPr lang="en-US" sz="1050" dirty="0" smtClean="0">
+                <a:solidFill>
+                  <a:srgbClr val="7030A0"/>
+                </a:solidFill>
+              </a:rPr>
+              <a:t>User-</a:t>
+            </a:r>
+          </a:p>
+          <a:p>
+            <a:pPr algn="ctr"/>
+            <a:r>
+              <a:rPr lang="en-US" sz="1050" dirty="0" smtClean="0">
+                <a:solidFill>
+                  <a:srgbClr val="7030A0"/>
+                </a:solidFill>
+              </a:rPr>
+              <a:t>name</a:t>
+            </a:r>
+            <a:endParaRPr lang="en-SG" sz="1050" dirty="0">
+              <a:solidFill>
+                <a:srgbClr val="7030A0"/>
+              </a:solidFill>
+            </a:endParaRPr>
+          </a:p>
+        </p:txBody>
+      </p:sp>
+      <p:sp>
+        <p:nvSpPr>
+          <p:cNvPr id="53" name="Rectangle 8"/>
+          <p:cNvSpPr/>
+          <p:nvPr/>
+        </p:nvSpPr>
+        <p:spPr>
+          <a:xfrm>
+            <a:off x="7712397" y="4191000"/>
+            <a:ext cx="708186" cy="285783"/>
+          </a:xfrm>
+          <a:prstGeom prst="rect">
+            <a:avLst/>
+          </a:prstGeom>
+          <a:ln w="19050">
+            <a:solidFill>
+              <a:srgbClr val="7030A0"/>
+            </a:solidFill>
+          </a:ln>
+          <a:effectLst/>
+        </p:spPr>
+        <p:style>
+          <a:lnRef idx="1">
+            <a:schemeClr val="accent4"/>
+          </a:lnRef>
+          <a:fillRef idx="2">
+            <a:schemeClr val="accent4"/>
+          </a:fillRef>
+          <a:effectRef idx="1">
+            <a:schemeClr val="accent4"/>
+          </a:effectRef>
+          <a:fontRef idx="minor">
+            <a:schemeClr val="dk1"/>
+          </a:fontRef>
+        </p:style>
+        <p:txBody>
+          <a:bodyPr rtlCol="0" anchor="ctr"/>
+          <a:lstStyle/>
+          <a:p>
+            <a:pPr algn="ctr"/>
+            <a:r>
+              <a:rPr lang="en-US" sz="1050" dirty="0" smtClean="0">
+                <a:solidFill>
+                  <a:srgbClr val="7030A0"/>
+                </a:solidFill>
+              </a:rPr>
+              <a:t>Password</a:t>
+            </a:r>
+            <a:endParaRPr lang="en-SG" sz="900" dirty="0">
+              <a:solidFill>
+                <a:srgbClr val="7030A0"/>
+              </a:solidFill>
+            </a:endParaRPr>
+          </a:p>
+        </p:txBody>
+      </p:sp>
+      <p:sp>
+        <p:nvSpPr>
+          <p:cNvPr id="55" name="Rectangle 8"/>
+          <p:cNvSpPr/>
+          <p:nvPr/>
+        </p:nvSpPr>
+        <p:spPr>
+          <a:xfrm>
+            <a:off x="7712397" y="2250759"/>
+            <a:ext cx="708186" cy="285783"/>
+          </a:xfrm>
+          <a:prstGeom prst="rect">
+            <a:avLst/>
+          </a:prstGeom>
+          <a:ln w="19050">
+            <a:solidFill>
+              <a:srgbClr val="7030A0"/>
+            </a:solidFill>
+          </a:ln>
+          <a:effectLst/>
+        </p:spPr>
+        <p:style>
+          <a:lnRef idx="1">
+            <a:schemeClr val="accent4"/>
+          </a:lnRef>
+          <a:fillRef idx="2">
+            <a:schemeClr val="accent4"/>
+          </a:fillRef>
+          <a:effectRef idx="1">
+            <a:schemeClr val="accent4"/>
+          </a:effectRef>
+          <a:fontRef idx="minor">
+            <a:schemeClr val="dk1"/>
+          </a:fontRef>
+        </p:style>
+        <p:txBody>
+          <a:bodyPr rtlCol="0" anchor="ctr"/>
+          <a:lstStyle/>
+          <a:p>
+            <a:pPr algn="ctr"/>
+            <a:r>
+              <a:rPr lang="en-US" sz="1050" dirty="0" smtClean="0">
+                <a:solidFill>
+                  <a:srgbClr val="7030A0"/>
+                </a:solidFill>
+              </a:rPr>
+              <a:t>Name</a:t>
+            </a:r>
+            <a:endParaRPr lang="en-SG" sz="1050" dirty="0">
+              <a:solidFill>
+                <a:srgbClr val="7030A0"/>
+              </a:solidFill>
+            </a:endParaRPr>
+          </a:p>
+        </p:txBody>
+      </p:sp>
+      <p:cxnSp>
+        <p:nvCxnSpPr>
+          <p:cNvPr id="71" name="Elbow Connector 70"/>
+          <p:cNvCxnSpPr>
+            <a:endCxn id="55" idx="1"/>
+          </p:cNvCxnSpPr>
+          <p:nvPr/>
+        </p:nvCxnSpPr>
+        <p:spPr>
+          <a:xfrm rot="5400000" flipH="1" flipV="1">
+            <a:off x="7266052" y="2622795"/>
+            <a:ext cx="675488" cy="217201"/>
+          </a:xfrm>
+          <a:prstGeom prst="bentConnector2">
+            <a:avLst/>
+          </a:prstGeom>
+          <a:ln w="19050">
+            <a:solidFill>
+              <a:srgbClr val="7030A0"/>
+            </a:solidFill>
+            <a:headEnd type="none" w="med" len="med"/>
+            <a:tailEnd type="arrow" w="med" len="med"/>
+          </a:ln>
+          <a:effectLst/>
+        </p:spPr>
+        <p:style>
+          <a:lnRef idx="1">
+            <a:schemeClr val="accent2"/>
+          </a:lnRef>
+          <a:fillRef idx="2">
+            <a:schemeClr val="accent2"/>
+          </a:fillRef>
+          <a:effectRef idx="1">
+            <a:schemeClr val="accent2"/>
+          </a:effectRef>
+          <a:fontRef idx="minor">
+            <a:schemeClr val="dk1"/>
+          </a:fontRef>
+        </p:style>
+      </p:cxnSp>
+      <p:cxnSp>
+        <p:nvCxnSpPr>
+          <p:cNvPr id="72" name="Elbow Connector 71"/>
+          <p:cNvCxnSpPr>
+            <a:endCxn id="52" idx="1"/>
+          </p:cNvCxnSpPr>
+          <p:nvPr/>
+        </p:nvCxnSpPr>
+        <p:spPr>
+          <a:xfrm rot="16200000" flipH="1">
+            <a:off x="7443265" y="3728001"/>
+            <a:ext cx="321069" cy="217196"/>
+          </a:xfrm>
+          <a:prstGeom prst="bentConnector2">
+            <a:avLst/>
+          </a:prstGeom>
+          <a:ln w="19050">
+            <a:solidFill>
+              <a:srgbClr val="7030A0"/>
+            </a:solidFill>
+            <a:headEnd type="none" w="med" len="med"/>
+            <a:tailEnd type="arrow" w="med" len="med"/>
+          </a:ln>
+          <a:effectLst/>
+        </p:spPr>
+        <p:style>
+          <a:lnRef idx="1">
+            <a:schemeClr val="accent2"/>
+          </a:lnRef>
+          <a:fillRef idx="2">
+            <a:schemeClr val="accent2"/>
+          </a:fillRef>
+          <a:effectRef idx="1">
+            <a:schemeClr val="accent2"/>
+          </a:effectRef>
+          <a:fontRef idx="minor">
+            <a:schemeClr val="dk1"/>
+          </a:fontRef>
+        </p:style>
+      </p:cxnSp>
+      <p:cxnSp>
+        <p:nvCxnSpPr>
+          <p:cNvPr id="73" name="Elbow Connector 72"/>
+          <p:cNvCxnSpPr>
+            <a:endCxn id="53" idx="1"/>
+          </p:cNvCxnSpPr>
+          <p:nvPr/>
+        </p:nvCxnSpPr>
+        <p:spPr>
+          <a:xfrm rot="16200000" flipH="1">
+            <a:off x="7426599" y="4048094"/>
+            <a:ext cx="354402" cy="217194"/>
+          </a:xfrm>
+          <a:prstGeom prst="bentConnector2">
+            <a:avLst/>
+          </a:prstGeom>
+          <a:ln w="19050">
+            <a:solidFill>
+              <a:srgbClr val="7030A0"/>
+            </a:solidFill>
+            <a:headEnd type="none" w="med" len="med"/>
+            <a:tailEnd type="arrow" w="med" len="med"/>
+          </a:ln>
+          <a:effectLst/>
+        </p:spPr>
+        <p:style>
+          <a:lnRef idx="1">
+            <a:schemeClr val="accent2"/>
+          </a:lnRef>
+          <a:fillRef idx="2">
+            <a:schemeClr val="accent2"/>
+          </a:fillRef>
+          <a:effectRef idx="1">
+            <a:schemeClr val="accent2"/>
+          </a:effectRef>
+          <a:fontRef idx="minor">
+            <a:schemeClr val="dk1"/>
+          </a:fontRef>
+        </p:style>
+      </p:cxnSp>
     </p:spTree>
     <p:extLst>
       <p:ext uri="{BB962C8B-B14F-4D97-AF65-F5344CB8AC3E}">
